--- a/doc/SchoolJournal_Presentation_Template_v3.pptx
+++ b/doc/SchoolJournal_Presentation_Template_v3.pptx
@@ -3141,8 +3141,8 @@
         </p:nvSpPr>
         <p:spPr>
           <a:xfrm>
-            <a:off x="914400" y="3657600"/>
-            <a:ext cx="7315200" cy="1371600"/>
+            <a:off x="1330452" y="3630168"/>
+            <a:ext cx="6483096" cy="1107996"/>
           </a:xfrm>
           <a:prstGeom prst="rect">
             <a:avLst/>
@@ -3150,7 +3150,7 @@
           <a:noFill/>
         </p:spPr>
         <p:txBody>
-          <a:bodyPr wrap="none">
+          <a:bodyPr wrap="square">
             <a:spAutoFit/>
           </a:bodyPr>
           <a:lstStyle/>
@@ -3162,40 +3162,28 @@
               <a:defRPr sz="2400"/>
             </a:pPr>
             <a:r>
-              <a:rPr dirty="0" err="1"/>
-              <a:t>日揮パラレルテクノロジーズ株式会社</a:t>
-            </a:r>
-            <a:r>
-              <a:rPr dirty="0"/>
-              <a:t> </a:t>
-            </a:r>
-            <a:r>
-              <a:rPr dirty="0" err="1"/>
-              <a:t>インターン課題</a:t>
-            </a:r>
-            <a:endParaRPr dirty="0"/>
+              <a:rPr lang="en-US" dirty="0" err="1"/>
+              <a:t>日揮パラレルテクノロジーズ採用インターン</a:t>
+            </a:r>
+            <a:endParaRPr lang="en-US" dirty="0"/>
           </a:p>
           <a:p>
             <a:pPr>
               <a:defRPr sz="2400"/>
             </a:pPr>
             <a:r>
+              <a:rPr lang="en-US" dirty="0" err="1"/>
+              <a:t>氏名</a:t>
+            </a:r>
+            <a:r>
               <a:rPr dirty="0" err="1"/>
-              <a:t>提出者：長谷川</a:t>
+              <a:t>：長谷川</a:t>
             </a:r>
             <a:r>
               <a:rPr dirty="0"/>
               <a:t> 隆幸</a:t>
             </a:r>
-          </a:p>
-          <a:p>
-            <a:pPr>
-              <a:defRPr sz="2400"/>
-            </a:pPr>
-            <a:r>
-              <a:rPr dirty="0"/>
-              <a:t>提出日：2025年10月31日</a:t>
-            </a:r>
+            <a:endParaRPr lang="en-US" dirty="0"/>
           </a:p>
         </p:txBody>
       </p:sp>
@@ -3273,7 +3261,19 @@
               <a:rPr dirty="0" err="1">
                 <a:latin typeface="MS P"/>
               </a:rPr>
-              <a:t>CSV出力・ログ管理</a:t>
+              <a:t>CSV</a:t>
+            </a:r>
+            <a:r>
+              <a:rPr lang="en-US" dirty="0" err="1">
+                <a:latin typeface="MS P"/>
+              </a:rPr>
+              <a:t>エクスポート</a:t>
+            </a:r>
+            <a:r>
+              <a:rPr dirty="0" err="1">
+                <a:latin typeface="MS P"/>
+              </a:rPr>
+              <a:t>・ログ管理</a:t>
             </a:r>
             <a:r>
               <a:rPr lang="ja-JP" altLang="en-US" dirty="0">
@@ -3523,7 +3523,19 @@
               <a:rPr dirty="0" err="1">
                 <a:latin typeface="MS P"/>
               </a:rPr>
-              <a:t>CSV出力によるデータ活用</a:t>
+              <a:t>CSV</a:t>
+            </a:r>
+            <a:r>
+              <a:rPr lang="en-US" dirty="0" err="1">
+                <a:latin typeface="MS P"/>
+              </a:rPr>
+              <a:t>エクスポート</a:t>
+            </a:r>
+            <a:r>
+              <a:rPr dirty="0" err="1">
+                <a:latin typeface="MS P"/>
+              </a:rPr>
+              <a:t>によるデータ活用</a:t>
             </a:r>
             <a:endParaRPr dirty="0">
               <a:latin typeface="MS P"/>
@@ -3642,7 +3654,7 @@
         </p:nvSpPr>
         <p:spPr>
           <a:xfrm>
-            <a:off x="1481328" y="712559"/>
+            <a:off x="2081574" y="712559"/>
             <a:ext cx="4980851" cy="769441"/>
           </a:xfrm>
           <a:prstGeom prst="rect">
@@ -3672,7 +3684,7 @@
         <p:spPr>
           <a:xfrm>
             <a:off x="914400" y="1645920"/>
-            <a:ext cx="7315200" cy="4114800"/>
+            <a:ext cx="6003567" cy="1985159"/>
           </a:xfrm>
           <a:prstGeom prst="rect">
             <a:avLst/>
@@ -3680,12 +3692,14 @@
           <a:noFill/>
         </p:spPr>
         <p:txBody>
-          <a:bodyPr wrap="none">
+          <a:bodyPr wrap="square">
             <a:spAutoFit/>
           </a:bodyPr>
           <a:lstStyle/>
           <a:p>
-            <a:endParaRPr/>
+            <a:endParaRPr dirty="0">
+              <a:latin typeface="MS P"/>
+            </a:endParaRPr>
           </a:p>
           <a:p>
             <a:pPr>
@@ -3697,8 +3711,20 @@
               </a:defRPr>
             </a:pPr>
             <a:r>
-              <a:t>・Firebase Firestore対応によるリアルタイム連携</a:t>
-            </a:r>
+              <a:rPr dirty="0">
+                <a:latin typeface="MS P"/>
+              </a:rPr>
+              <a:t>・Firebase </a:t>
+            </a:r>
+            <a:r>
+              <a:rPr dirty="0" err="1">
+                <a:latin typeface="MS P"/>
+              </a:rPr>
+              <a:t>Firestore対応によるリアルタイム連携</a:t>
+            </a:r>
+            <a:endParaRPr dirty="0">
+              <a:latin typeface="MS P"/>
+            </a:endParaRPr>
           </a:p>
           <a:p>
             <a:pPr>
@@ -3710,8 +3736,20 @@
               </a:defRPr>
             </a:pPr>
             <a:r>
-              <a:t>・Push通知（FCM）で提出リマインド</a:t>
-            </a:r>
+              <a:rPr dirty="0">
+                <a:latin typeface="MS P"/>
+              </a:rPr>
+              <a:t>・</a:t>
+            </a:r>
+            <a:r>
+              <a:rPr dirty="0" err="1">
+                <a:latin typeface="MS P"/>
+              </a:rPr>
+              <a:t>Push通知（FCM）で提出リマインド</a:t>
+            </a:r>
+            <a:endParaRPr dirty="0">
+              <a:latin typeface="MS P"/>
+            </a:endParaRPr>
           </a:p>
           <a:p>
             <a:pPr>
@@ -3723,7 +3761,22 @@
               </a:defRPr>
             </a:pPr>
             <a:r>
-              <a:t>・週次自動PDFレポート生成機能（担任向け）</a:t>
+              <a:rPr dirty="0">
+                <a:latin typeface="MS P"/>
+              </a:rPr>
+              <a:t>・</a:t>
+            </a:r>
+            <a:r>
+              <a:rPr dirty="0" err="1">
+                <a:latin typeface="MS P"/>
+              </a:rPr>
+              <a:t>週次自動PDFレポート生成機能（担任向け</a:t>
+            </a:r>
+            <a:r>
+              <a:rPr dirty="0">
+                <a:latin typeface="MS P"/>
+              </a:rPr>
+              <a:t>）</a:t>
             </a:r>
           </a:p>
           <a:p>
@@ -3736,8 +3789,20 @@
               </a:defRPr>
             </a:pPr>
             <a:r>
-              <a:t>・ログフィルター強化と統計グラフの追加</a:t>
-            </a:r>
+              <a:rPr dirty="0">
+                <a:latin typeface="MS P"/>
+              </a:rPr>
+              <a:t>・</a:t>
+            </a:r>
+            <a:r>
+              <a:rPr dirty="0" err="1">
+                <a:latin typeface="MS P"/>
+              </a:rPr>
+              <a:t>ログフィルター強化と統計グラフの追加</a:t>
+            </a:r>
+            <a:endParaRPr dirty="0">
+              <a:latin typeface="MS P"/>
+            </a:endParaRPr>
           </a:p>
         </p:txBody>
       </p:sp>
@@ -3768,137 +3833,6 @@
       </p:grpSpPr>
       <p:sp>
         <p:nvSpPr>
-          <p:cNvPr id="3" name="TextBox 2"/>
-          <p:cNvSpPr txBox="1"/>
-          <p:nvPr/>
-        </p:nvSpPr>
-        <p:spPr>
-          <a:xfrm>
-            <a:off x="914400" y="1645920"/>
-            <a:ext cx="5270995" cy="1985159"/>
-          </a:xfrm>
-          <a:prstGeom prst="rect">
-            <a:avLst/>
-          </a:prstGeom>
-          <a:noFill/>
-        </p:spPr>
-        <p:txBody>
-          <a:bodyPr wrap="none">
-            <a:spAutoFit/>
-          </a:bodyPr>
-          <a:lstStyle/>
-          <a:p>
-            <a:endParaRPr dirty="0">
-              <a:latin typeface="MS P"/>
-            </a:endParaRPr>
-          </a:p>
-          <a:p>
-            <a:pPr>
-              <a:spcAft>
-                <a:spcPts val="1000"/>
-              </a:spcAft>
-              <a:defRPr sz="2000">
-                <a:latin typeface="メイリオ"/>
-              </a:defRPr>
-            </a:pPr>
-            <a:r>
-              <a:rPr dirty="0">
-                <a:latin typeface="MS P"/>
-              </a:rPr>
-              <a:t>・</a:t>
-            </a:r>
-            <a:r>
-              <a:rPr dirty="0" err="1">
-                <a:latin typeface="MS P"/>
-              </a:rPr>
-              <a:t>スマホ対応UI（レスポンシブ化</a:t>
-            </a:r>
-            <a:r>
-              <a:rPr dirty="0">
-                <a:latin typeface="MS P"/>
-              </a:rPr>
-              <a:t>）</a:t>
-            </a:r>
-          </a:p>
-          <a:p>
-            <a:pPr>
-              <a:spcAft>
-                <a:spcPts val="1000"/>
-              </a:spcAft>
-              <a:defRPr sz="2000">
-                <a:latin typeface="メイリオ"/>
-              </a:defRPr>
-            </a:pPr>
-            <a:r>
-              <a:rPr dirty="0">
-                <a:latin typeface="MS P"/>
-              </a:rPr>
-              <a:t>・</a:t>
-            </a:r>
-            <a:r>
-              <a:rPr dirty="0" err="1">
-                <a:latin typeface="MS P"/>
-              </a:rPr>
-              <a:t>AIによる文章解析で生徒の状態変化を検知</a:t>
-            </a:r>
-            <a:endParaRPr dirty="0">
-              <a:latin typeface="MS P"/>
-            </a:endParaRPr>
-          </a:p>
-          <a:p>
-            <a:pPr>
-              <a:spcAft>
-                <a:spcPts val="1000"/>
-              </a:spcAft>
-              <a:defRPr sz="2000">
-                <a:latin typeface="メイリオ"/>
-              </a:defRPr>
-            </a:pPr>
-            <a:r>
-              <a:rPr dirty="0">
-                <a:latin typeface="MS P"/>
-              </a:rPr>
-              <a:t>・</a:t>
-            </a:r>
-            <a:r>
-              <a:rPr dirty="0" err="1">
-                <a:latin typeface="MS P"/>
-              </a:rPr>
-              <a:t>クラウドバックアップ・分析基盤の構築</a:t>
-            </a:r>
-            <a:endParaRPr dirty="0">
-              <a:latin typeface="MS P"/>
-            </a:endParaRPr>
-          </a:p>
-          <a:p>
-            <a:pPr>
-              <a:spcAft>
-                <a:spcPts val="1000"/>
-              </a:spcAft>
-              <a:defRPr sz="2000">
-                <a:latin typeface="メイリオ"/>
-              </a:defRPr>
-            </a:pPr>
-            <a:r>
-              <a:rPr dirty="0">
-                <a:latin typeface="MS P"/>
-              </a:rPr>
-              <a:t>・</a:t>
-            </a:r>
-            <a:r>
-              <a:rPr dirty="0" err="1">
-                <a:latin typeface="MS P"/>
-              </a:rPr>
-              <a:t>担任間のリアルタイム共有機能</a:t>
-            </a:r>
-            <a:endParaRPr dirty="0">
-              <a:latin typeface="MS P"/>
-            </a:endParaRPr>
-          </a:p>
-        </p:txBody>
-      </p:sp>
-      <p:sp>
-        <p:nvSpPr>
           <p:cNvPr id="4" name="テキスト ボックス 3">
             <a:extLst>
               <a:ext uri="{FF2B5EF4-FFF2-40B4-BE49-F238E27FC236}">
@@ -3936,6 +3870,148 @@
             <a:r>
               <a:rPr lang="ja-JP" altLang="en-US" sz="4400" dirty="0"/>
               <a:t>今後の展望</a:t>
+            </a:r>
+          </a:p>
+        </p:txBody>
+      </p:sp>
+      <p:sp>
+        <p:nvSpPr>
+          <p:cNvPr id="2" name="Rectangle 1">
+            <a:extLst>
+              <a:ext uri="{FF2B5EF4-FFF2-40B4-BE49-F238E27FC236}">
+                <a16:creationId xmlns:a16="http://schemas.microsoft.com/office/drawing/2014/main" id="{B2C7F1DB-8695-2C00-5F11-AA657508D994}"/>
+              </a:ext>
+            </a:extLst>
+          </p:cNvPr>
+          <p:cNvSpPr>
+            <a:spLocks noChangeArrowheads="1"/>
+          </p:cNvSpPr>
+          <p:nvPr/>
+        </p:nvSpPr>
+        <p:spPr bwMode="auto">
+          <a:xfrm>
+            <a:off x="902369" y="1955455"/>
+            <a:ext cx="7110663" cy="3416320"/>
+          </a:xfrm>
+          <a:prstGeom prst="rect">
+            <a:avLst/>
+          </a:prstGeom>
+          <a:noFill/>
+          <a:ln>
+            <a:noFill/>
+          </a:ln>
+          <a:effectLst/>
+          <a:extLst>
+            <a:ext uri="{909E8E84-426E-40DD-AFC4-6F175D3DCCD1}">
+              <a14:hiddenFill xmlns:a14="http://schemas.microsoft.com/office/drawing/2010/main">
+                <a:solidFill>
+                  <a:schemeClr val="accent1"/>
+                </a:solidFill>
+              </a14:hiddenFill>
+            </a:ext>
+            <a:ext uri="{91240B29-F687-4F45-9708-019B960494DF}">
+              <a14:hiddenLine xmlns:a14="http://schemas.microsoft.com/office/drawing/2010/main" w="9525">
+                <a:solidFill>
+                  <a:schemeClr val="tx1"/>
+                </a:solidFill>
+                <a:miter lim="800000"/>
+                <a:headEnd/>
+                <a:tailEnd/>
+              </a14:hiddenLine>
+            </a:ext>
+            <a:ext uri="{AF507438-7753-43E0-B8FC-AC1667EBCBE1}">
+              <a14:hiddenEffects xmlns:a14="http://schemas.microsoft.com/office/drawing/2010/main">
+                <a:effectLst>
+                  <a:outerShdw dist="35921" dir="2700000" algn="ctr" rotWithShape="0">
+                    <a:schemeClr val="bg2"/>
+                  </a:outerShdw>
+                </a:effectLst>
+              </a14:hiddenEffects>
+            </a:ext>
+          </a:extLst>
+        </p:spPr>
+        <p:txBody>
+          <a:bodyPr vert="horz" wrap="square" lIns="91440" tIns="45720" rIns="91440" bIns="45720" numCol="1" anchor="ctr" anchorCtr="0" compatLnSpc="1">
+            <a:prstTxWarp prst="textNoShape">
+              <a:avLst/>
+            </a:prstTxWarp>
+            <a:spAutoFit/>
+          </a:bodyPr>
+          <a:lstStyle/>
+          <a:p>
+            <a:r>
+              <a:rPr lang="ja-JP" altLang="en-US" b="1" dirty="0"/>
+              <a:t>スマホ対応</a:t>
+            </a:r>
+            <a:r>
+              <a:rPr lang="en-US" altLang="ja-JP" b="1" dirty="0"/>
+              <a:t>UI</a:t>
+            </a:r>
+            <a:r>
+              <a:rPr lang="ja-JP" altLang="en-US" b="1" dirty="0"/>
+              <a:t>（レスポンシブ化）</a:t>
+            </a:r>
+            <a:br>
+              <a:rPr lang="ja-JP" altLang="en-US" dirty="0"/>
+            </a:br>
+            <a:r>
+              <a:rPr lang="ja-JP" altLang="en-US" dirty="0"/>
+              <a:t>スマートフォンやタブレットでも快適に操作できる</a:t>
+            </a:r>
+            <a:r>
+              <a:rPr lang="en-US" altLang="ja-JP" dirty="0"/>
+              <a:t>UI</a:t>
+            </a:r>
+            <a:r>
+              <a:rPr lang="ja-JP" altLang="en-US" dirty="0"/>
+              <a:t>を設計し、登校前や家庭からでも記録が行えるようにする。</a:t>
+            </a:r>
+          </a:p>
+          <a:p>
+            <a:r>
+              <a:rPr lang="en-US" altLang="ja-JP" b="1" dirty="0"/>
+              <a:t>AI</a:t>
+            </a:r>
+            <a:r>
+              <a:rPr lang="ja-JP" altLang="en-US" b="1" dirty="0"/>
+              <a:t>による文章解析で生徒の状態変化を検知</a:t>
+            </a:r>
+            <a:br>
+              <a:rPr lang="ja-JP" altLang="en-US" dirty="0"/>
+            </a:br>
+            <a:r>
+              <a:rPr lang="ja-JP" altLang="en-US" dirty="0"/>
+              <a:t>提出内容を自然言語処理で解析し、体調不良やストレスの兆候を自動的に担任へ通知する仕組みを導入。</a:t>
+            </a:r>
+          </a:p>
+          <a:p>
+            <a:r>
+              <a:rPr lang="ja-JP" altLang="en-US" b="1" dirty="0"/>
+              <a:t>クラウドバックアップ・分析基盤の構築</a:t>
+            </a:r>
+            <a:br>
+              <a:rPr lang="ja-JP" altLang="en-US" dirty="0"/>
+            </a:br>
+            <a:r>
+              <a:rPr lang="en-US" altLang="ja-JP" dirty="0" err="1"/>
+              <a:t>Firestore</a:t>
+            </a:r>
+            <a:r>
+              <a:rPr lang="ja-JP" altLang="en-US" dirty="0"/>
+              <a:t>などのクラウド環境にデータを自動保存し、学期単位での傾向分析や統計資料の作成を容易にする。</a:t>
+            </a:r>
+          </a:p>
+          <a:p>
+            <a:r>
+              <a:rPr lang="ja-JP" altLang="en-US" b="1" dirty="0"/>
+              <a:t>担任間のリアルタイム共有機能</a:t>
+            </a:r>
+            <a:br>
+              <a:rPr lang="ja-JP" altLang="en-US" dirty="0"/>
+            </a:br>
+            <a:r>
+              <a:rPr lang="ja-JP" altLang="en-US" dirty="0"/>
+              <a:t>複数担任・学年主任・カウンセラー間での情報連携を実現し、学校全体で生徒支援を強化する体制を目指す。</a:t>
             </a:r>
           </a:p>
         </p:txBody>
@@ -3973,7 +4049,7 @@
         </p:nvSpPr>
         <p:spPr>
           <a:xfrm>
-            <a:off x="373574" y="751808"/>
+            <a:off x="557119" y="751808"/>
             <a:ext cx="8029762" cy="769441"/>
           </a:xfrm>
           <a:prstGeom prst="rect">
@@ -4002,8 +4078,8 @@
         </p:nvSpPr>
         <p:spPr>
           <a:xfrm>
-            <a:off x="914400" y="1645920"/>
-            <a:ext cx="7315200" cy="4114800"/>
+            <a:off x="356616" y="1304878"/>
+            <a:ext cx="8230265" cy="4031873"/>
           </a:xfrm>
           <a:prstGeom prst="rect">
             <a:avLst/>
@@ -4011,64 +4087,273 @@
           <a:noFill/>
         </p:spPr>
         <p:txBody>
-          <a:bodyPr wrap="none">
+          <a:bodyPr wrap="square">
             <a:spAutoFit/>
           </a:bodyPr>
           <a:lstStyle/>
           <a:p>
-            <a:endParaRPr/>
-          </a:p>
-          <a:p>
-            <a:pPr>
-              <a:spcAft>
-                <a:spcPts val="1000"/>
-              </a:spcAft>
-              <a:defRPr sz="2000">
-                <a:latin typeface="メイリオ"/>
-              </a:defRPr>
-            </a:pPr>
-            <a:r>
-              <a:t>・要件定義〜デプロイまで一連の流れを体験</a:t>
-            </a:r>
-          </a:p>
-          <a:p>
-            <a:pPr>
-              <a:spcAft>
-                <a:spcPts val="1000"/>
-              </a:spcAft>
-              <a:defRPr sz="2000">
-                <a:latin typeface="メイリオ"/>
-              </a:defRPr>
-            </a:pPr>
-            <a:r>
-              <a:t>・Render / Git / Node.js運用スキルの習得</a:t>
-            </a:r>
-          </a:p>
-          <a:p>
-            <a:pPr>
-              <a:spcAft>
-                <a:spcPts val="1000"/>
-              </a:spcAft>
-              <a:defRPr sz="2000">
-                <a:latin typeface="メイリオ"/>
-              </a:defRPr>
-            </a:pPr>
-            <a:r>
-              <a:t>・UI/UX改善を通じて利用者目線の大切さを学んだ</a:t>
-            </a:r>
-          </a:p>
-          <a:p>
-            <a:pPr>
-              <a:spcAft>
-                <a:spcPts val="1000"/>
-              </a:spcAft>
-              <a:defRPr sz="2000">
-                <a:latin typeface="メイリオ"/>
-              </a:defRPr>
-            </a:pPr>
-            <a:r>
-              <a:t>・本経験を今後の開発・就職活動に活かす</a:t>
-            </a:r>
+            <a:endParaRPr sz="1600" dirty="0">
+              <a:latin typeface="+mj-ea"/>
+              <a:ea typeface="+mj-ea"/>
+            </a:endParaRPr>
+          </a:p>
+          <a:p>
+            <a:r>
+              <a:rPr lang="ja-JP" altLang="en-US" sz="1600" dirty="0">
+                <a:latin typeface="+mj-ea"/>
+                <a:ea typeface="+mj-ea"/>
+              </a:rPr>
+              <a:t>今回のインターンシップでは、システム開発の全工程（要件定義・設計・実装・テスト・デプロイ）を一貫して体験することができました。</a:t>
+            </a:r>
+            <a:br>
+              <a:rPr lang="ja-JP" altLang="en-US" sz="1600" dirty="0">
+                <a:latin typeface="+mj-ea"/>
+                <a:ea typeface="+mj-ea"/>
+              </a:rPr>
+            </a:br>
+            <a:r>
+              <a:rPr lang="ja-JP" altLang="en-US" sz="1600" dirty="0">
+                <a:latin typeface="+mj-ea"/>
+                <a:ea typeface="+mj-ea"/>
+              </a:rPr>
+              <a:t>特に、要件を整理しながらユーザーの使いやすさを考慮した画面設計を行う過程では、</a:t>
+            </a:r>
+            <a:r>
+              <a:rPr lang="en-US" altLang="ja-JP" sz="1600" b="1" dirty="0">
+                <a:latin typeface="+mj-ea"/>
+                <a:ea typeface="+mj-ea"/>
+              </a:rPr>
+              <a:t>UI/UX</a:t>
+            </a:r>
+            <a:r>
+              <a:rPr lang="ja-JP" altLang="en-US" sz="1600" b="1" dirty="0">
+                <a:latin typeface="+mj-ea"/>
+                <a:ea typeface="+mj-ea"/>
+              </a:rPr>
+              <a:t>デザインの重要性</a:t>
+            </a:r>
+            <a:r>
+              <a:rPr lang="ja-JP" altLang="en-US" sz="1600" dirty="0">
+                <a:latin typeface="+mj-ea"/>
+                <a:ea typeface="+mj-ea"/>
+              </a:rPr>
+              <a:t>を深く実感しました。</a:t>
+            </a:r>
+            <a:br>
+              <a:rPr lang="ja-JP" altLang="en-US" sz="1600" dirty="0">
+                <a:latin typeface="+mj-ea"/>
+                <a:ea typeface="+mj-ea"/>
+              </a:rPr>
+            </a:br>
+            <a:r>
+              <a:rPr lang="ja-JP" altLang="en-US" sz="1600" dirty="0">
+                <a:latin typeface="+mj-ea"/>
+                <a:ea typeface="+mj-ea"/>
+              </a:rPr>
+              <a:t>また、開発では </a:t>
+            </a:r>
+            <a:r>
+              <a:rPr lang="en-US" altLang="ja-JP" sz="1600" b="1" dirty="0">
+                <a:latin typeface="+mj-ea"/>
+                <a:ea typeface="+mj-ea"/>
+              </a:rPr>
+              <a:t>Node.js</a:t>
+            </a:r>
+            <a:r>
+              <a:rPr lang="ja-JP" altLang="en-US" sz="1600" b="1" dirty="0">
+                <a:latin typeface="+mj-ea"/>
+                <a:ea typeface="+mj-ea"/>
+              </a:rPr>
+              <a:t>と</a:t>
+            </a:r>
+            <a:r>
+              <a:rPr lang="en-US" altLang="ja-JP" sz="1600" b="1" dirty="0">
+                <a:latin typeface="+mj-ea"/>
+                <a:ea typeface="+mj-ea"/>
+              </a:rPr>
+              <a:t>Express </a:t>
+            </a:r>
+            <a:r>
+              <a:rPr lang="ja-JP" altLang="en-US" sz="1600" b="1" dirty="0">
+                <a:latin typeface="+mj-ea"/>
+                <a:ea typeface="+mj-ea"/>
+              </a:rPr>
+              <a:t>を用いたサーバー構築、</a:t>
+            </a:r>
+            <a:r>
+              <a:rPr lang="en-US" altLang="ja-JP" sz="1600" b="1" dirty="0">
+                <a:latin typeface="+mj-ea"/>
+                <a:ea typeface="+mj-ea"/>
+              </a:rPr>
+              <a:t>SQLite</a:t>
+            </a:r>
+            <a:r>
+              <a:rPr lang="ja-JP" altLang="en-US" sz="1600" b="1" dirty="0">
+                <a:latin typeface="+mj-ea"/>
+                <a:ea typeface="+mj-ea"/>
+              </a:rPr>
+              <a:t>および</a:t>
+            </a:r>
+            <a:r>
+              <a:rPr lang="en-US" altLang="ja-JP" sz="1600" b="1" dirty="0">
+                <a:latin typeface="+mj-ea"/>
+                <a:ea typeface="+mj-ea"/>
+              </a:rPr>
+              <a:t>Firebase </a:t>
+            </a:r>
+            <a:r>
+              <a:rPr lang="en-US" altLang="ja-JP" sz="1600" b="1" dirty="0" err="1">
+                <a:latin typeface="+mj-ea"/>
+                <a:ea typeface="+mj-ea"/>
+              </a:rPr>
+              <a:t>Firestore</a:t>
+            </a:r>
+            <a:r>
+              <a:rPr lang="ja-JP" altLang="en-US" sz="1600" b="1" dirty="0">
+                <a:latin typeface="+mj-ea"/>
+                <a:ea typeface="+mj-ea"/>
+              </a:rPr>
+              <a:t>を利用したデータ管理、</a:t>
+            </a:r>
+            <a:r>
+              <a:rPr lang="en-US" altLang="ja-JP" sz="1600" b="1" dirty="0">
+                <a:latin typeface="+mj-ea"/>
+                <a:ea typeface="+mj-ea"/>
+              </a:rPr>
+              <a:t>html2pdf.js</a:t>
+            </a:r>
+            <a:r>
+              <a:rPr lang="ja-JP" altLang="en-US" sz="1600" b="1" dirty="0">
+                <a:latin typeface="+mj-ea"/>
+                <a:ea typeface="+mj-ea"/>
+              </a:rPr>
+              <a:t>や</a:t>
+            </a:r>
+            <a:r>
+              <a:rPr lang="en-US" altLang="ja-JP" sz="1600" b="1" dirty="0">
+                <a:latin typeface="+mj-ea"/>
+                <a:ea typeface="+mj-ea"/>
+              </a:rPr>
+              <a:t>Chart.js</a:t>
+            </a:r>
+            <a:r>
+              <a:rPr lang="ja-JP" altLang="en-US" sz="1600" b="1" dirty="0">
+                <a:latin typeface="+mj-ea"/>
+                <a:ea typeface="+mj-ea"/>
+              </a:rPr>
+              <a:t>による可視化処理</a:t>
+            </a:r>
+            <a:r>
+              <a:rPr lang="ja-JP" altLang="en-US" sz="1600" dirty="0">
+                <a:latin typeface="+mj-ea"/>
+                <a:ea typeface="+mj-ea"/>
+              </a:rPr>
+              <a:t> など、実務でも使用される多様な技術に触れることができました。</a:t>
+            </a:r>
+          </a:p>
+          <a:p>
+            <a:r>
+              <a:rPr lang="ja-JP" altLang="en-US" sz="1600" dirty="0">
+                <a:latin typeface="+mj-ea"/>
+                <a:ea typeface="+mj-ea"/>
+              </a:rPr>
+              <a:t>さらに、</a:t>
+            </a:r>
+            <a:r>
+              <a:rPr lang="en-US" altLang="ja-JP" sz="1600" b="1" dirty="0">
+                <a:latin typeface="+mj-ea"/>
+                <a:ea typeface="+mj-ea"/>
+              </a:rPr>
+              <a:t>Git</a:t>
+            </a:r>
+            <a:r>
+              <a:rPr lang="ja-JP" altLang="en-US" sz="1600" b="1" dirty="0">
+                <a:latin typeface="+mj-ea"/>
+                <a:ea typeface="+mj-ea"/>
+              </a:rPr>
+              <a:t>によるバージョン管理や</a:t>
+            </a:r>
+            <a:r>
+              <a:rPr lang="en-US" altLang="ja-JP" sz="1600" b="1" dirty="0">
+                <a:latin typeface="+mj-ea"/>
+                <a:ea typeface="+mj-ea"/>
+              </a:rPr>
+              <a:t>Render</a:t>
+            </a:r>
+            <a:r>
+              <a:rPr lang="ja-JP" altLang="en-US" sz="1600" b="1" dirty="0">
+                <a:latin typeface="+mj-ea"/>
+                <a:ea typeface="+mj-ea"/>
+              </a:rPr>
+              <a:t>へのデプロイ作業</a:t>
+            </a:r>
+            <a:r>
+              <a:rPr lang="ja-JP" altLang="en-US" sz="1600" dirty="0">
+                <a:latin typeface="+mj-ea"/>
+                <a:ea typeface="+mj-ea"/>
+              </a:rPr>
+              <a:t>を通して、チーム開発やクラウド環境での運用を意識した実践的なスキルを習得しました。</a:t>
+            </a:r>
+            <a:br>
+              <a:rPr lang="ja-JP" altLang="en-US" sz="1600" dirty="0">
+                <a:latin typeface="+mj-ea"/>
+                <a:ea typeface="+mj-ea"/>
+              </a:rPr>
+            </a:br>
+            <a:r>
+              <a:rPr lang="ja-JP" altLang="en-US" sz="1600" dirty="0">
+                <a:latin typeface="+mj-ea"/>
+                <a:ea typeface="+mj-ea"/>
+              </a:rPr>
+              <a:t>開発を進める中でエラーやレイアウト崩れなど多くの課題にも直面しましたが、原因を調査し、改善を繰り返す過程で問題解決力と継続的な改善意識を高めることができたと感じています。</a:t>
+            </a:r>
+          </a:p>
+          <a:p>
+            <a:r>
+              <a:rPr lang="ja-JP" altLang="en-US" sz="1600" dirty="0">
+                <a:latin typeface="+mj-ea"/>
+                <a:ea typeface="+mj-ea"/>
+              </a:rPr>
+              <a:t>また、連絡帳という身近なテーマを題材にすることで、システム開発が教育現場の効率化や生徒支援の向上につながる可能性を実感しました。</a:t>
+            </a:r>
+            <a:br>
+              <a:rPr lang="ja-JP" altLang="en-US" sz="1600" dirty="0">
+                <a:latin typeface="+mj-ea"/>
+                <a:ea typeface="+mj-ea"/>
+              </a:rPr>
+            </a:br>
+            <a:r>
+              <a:rPr lang="ja-JP" altLang="en-US" sz="1600" dirty="0">
+                <a:latin typeface="+mj-ea"/>
+                <a:ea typeface="+mj-ea"/>
+              </a:rPr>
+              <a:t>今後はこの経験を活かし、</a:t>
+            </a:r>
+            <a:r>
+              <a:rPr lang="ja-JP" altLang="en-US" sz="1600" b="1" dirty="0">
+                <a:latin typeface="+mj-ea"/>
+                <a:ea typeface="+mj-ea"/>
+              </a:rPr>
+              <a:t>より多くの人の学びや生活を支える実践的なシステムづくり</a:t>
+            </a:r>
+            <a:r>
+              <a:rPr lang="ja-JP" altLang="en-US" sz="1600" dirty="0">
+                <a:latin typeface="+mj-ea"/>
+                <a:ea typeface="+mj-ea"/>
+              </a:rPr>
+              <a:t>に挑戦していきたいと考えて</a:t>
+            </a:r>
+            <a:r>
+              <a:rPr lang="ja-JP" altLang="en-US" sz="1600">
+                <a:latin typeface="+mj-ea"/>
+                <a:ea typeface="+mj-ea"/>
+              </a:rPr>
+              <a:t>います。</a:t>
+            </a:r>
+            <a:endParaRPr lang="en-US" altLang="ja-JP" sz="1600" dirty="0">
+              <a:latin typeface="+mj-ea"/>
+              <a:ea typeface="+mj-ea"/>
+            </a:endParaRPr>
           </a:p>
         </p:txBody>
       </p:sp>
@@ -4106,7 +4391,7 @@
         <p:spPr>
           <a:xfrm>
             <a:off x="292608" y="1536192"/>
-            <a:ext cx="8577072" cy="4893647"/>
+            <a:ext cx="8577072" cy="5262979"/>
           </a:xfrm>
           <a:prstGeom prst="rect">
             <a:avLst/>
@@ -4159,6 +4444,10 @@
               <a:rPr lang="ja-JP" altLang="en-US" sz="2400" dirty="0"/>
               <a:t>・過去の連絡帳を時系列で追跡・分析することが困難で、生徒の体調やメンタル面の変化を定量的に把握できなかった</a:t>
             </a:r>
+            <a:endParaRPr lang="en-US" altLang="ja-JP" sz="2400" dirty="0"/>
+          </a:p>
+          <a:p>
+            <a:endParaRPr lang="ja-JP" altLang="en-US" sz="2400" dirty="0"/>
           </a:p>
           <a:p>
             <a:r>
@@ -4931,33 +5220,49 @@
               <a:buNone/>
             </a:pPr>
             <a:r>
-              <a:rPr lang="ja-JP" altLang="en-US" sz="2800" dirty="0"/>
+              <a:rPr lang="ja-JP" altLang="en-US" sz="2800" dirty="0">
+                <a:latin typeface="MS P"/>
+              </a:rPr>
               <a:t>本</a:t>
             </a:r>
             <a:r>
-              <a:rPr lang="en-US" altLang="ja-JP" sz="2800" dirty="0"/>
+              <a:rPr lang="en-US" altLang="ja-JP" sz="2800" dirty="0">
+                <a:latin typeface="MS P"/>
+              </a:rPr>
               <a:t>PoC</a:t>
             </a:r>
             <a:r>
-              <a:rPr lang="ja-JP" altLang="en-US" sz="2800" dirty="0"/>
+              <a:rPr lang="ja-JP" altLang="en-US" sz="2800" dirty="0">
+                <a:latin typeface="MS P"/>
+              </a:rPr>
               <a:t>は、実運用を見据えた概念検証を目的としており、学校現場での「連絡帳提出・確認プロセス」の電子化による</a:t>
             </a:r>
             <a:r>
-              <a:rPr lang="ja-JP" altLang="en-US" sz="2800" b="1" dirty="0"/>
+              <a:rPr lang="ja-JP" altLang="en-US" sz="2800" b="1" dirty="0">
+                <a:latin typeface="MS P"/>
+              </a:rPr>
               <a:t>業務効率化・情報共有の迅速化・データ活用の可能性検証</a:t>
             </a:r>
             <a:r>
-              <a:rPr lang="ja-JP" altLang="en-US" sz="2800" dirty="0"/>
+              <a:rPr lang="ja-JP" altLang="en-US" sz="2800" dirty="0">
+                <a:latin typeface="MS P"/>
+              </a:rPr>
               <a:t> を意図している。</a:t>
             </a:r>
             <a:br>
-              <a:rPr lang="ja-JP" altLang="en-US" sz="2800" dirty="0"/>
+              <a:rPr lang="ja-JP" altLang="en-US" sz="2800" dirty="0">
+                <a:latin typeface="MS P"/>
+              </a:rPr>
             </a:br>
             <a:r>
-              <a:rPr lang="ja-JP" altLang="en-US" sz="2800" dirty="0"/>
+              <a:rPr lang="ja-JP" altLang="en-US" sz="2800" dirty="0">
+                <a:latin typeface="MS P"/>
+              </a:rPr>
               <a:t>最終的には、体調やメンタルのデータを基に学年主任やスクールカウンセラーが生徒支援に活用できる仕組みを目指している。</a:t>
             </a:r>
-            <a:endParaRPr lang="ja-JP" altLang="en-US" sz="2500" dirty="0"/>
+            <a:endParaRPr lang="ja-JP" altLang="en-US" sz="2500" dirty="0">
+              <a:latin typeface="MS P"/>
+            </a:endParaRPr>
           </a:p>
         </p:txBody>
       </p:sp>
@@ -5279,25 +5584,19 @@
               <a:rPr lang="en-US" altLang="ja-JP" dirty="0">
                 <a:latin typeface="MS P"/>
               </a:rPr>
-              <a:t>PDF</a:t>
+              <a:t>PDF/</a:t>
+            </a:r>
+            <a:r>
+              <a:rPr lang="en-US" altLang="ja-JP" dirty="0" err="1">
+                <a:latin typeface="MS P"/>
+              </a:rPr>
+              <a:t>CSVエクスポート</a:t>
             </a:r>
             <a:r>
               <a:rPr lang="ja-JP" altLang="en-US" dirty="0">
                 <a:latin typeface="MS P"/>
               </a:rPr>
-              <a:t>出力と</a:t>
-            </a:r>
-            <a:r>
-              <a:rPr lang="en-US" altLang="ja-JP" dirty="0">
-                <a:latin typeface="MS P"/>
-              </a:rPr>
-              <a:t>CSV</a:t>
-            </a:r>
-            <a:r>
-              <a:rPr lang="ja-JP" altLang="en-US" dirty="0">
-                <a:latin typeface="MS P"/>
-              </a:rPr>
-              <a:t>出力も可能。</a:t>
+              <a:t>も可能。</a:t>
             </a:r>
             <a:endParaRPr dirty="0">
               <a:latin typeface="MS P"/>
